--- a/Prezentace D.O.I.T..pptx
+++ b/Prezentace D.O.I.T..pptx
@@ -6,17 +6,19 @@
   </p:sldMasterIdLst>
   <p:sldIdLst>
     <p:sldId id="256" r:id="rId2"/>
-    <p:sldId id="257" r:id="rId3"/>
-    <p:sldId id="258" r:id="rId4"/>
-    <p:sldId id="259" r:id="rId5"/>
+    <p:sldId id="268" r:id="rId3"/>
+    <p:sldId id="257" r:id="rId4"/>
+    <p:sldId id="258" r:id="rId5"/>
     <p:sldId id="260" r:id="rId6"/>
     <p:sldId id="261" r:id="rId7"/>
-    <p:sldId id="264" r:id="rId8"/>
-    <p:sldId id="262" r:id="rId9"/>
-    <p:sldId id="266" r:id="rId10"/>
-    <p:sldId id="267" r:id="rId11"/>
-    <p:sldId id="265" r:id="rId12"/>
-    <p:sldId id="263" r:id="rId13"/>
+    <p:sldId id="259" r:id="rId8"/>
+    <p:sldId id="264" r:id="rId9"/>
+    <p:sldId id="262" r:id="rId10"/>
+    <p:sldId id="269" r:id="rId11"/>
+    <p:sldId id="266" r:id="rId12"/>
+    <p:sldId id="267" r:id="rId13"/>
+    <p:sldId id="265" r:id="rId14"/>
+    <p:sldId id="263" r:id="rId15"/>
   </p:sldIdLst>
   <p:sldSz cx="12192000" cy="6858000"/>
   <p:notesSz cx="6858000" cy="9144000"/>
@@ -7275,6 +7277,310 @@
           <p:cNvPr id="2" name="Nadpis 1">
             <a:extLst>
               <a:ext uri="{FF2B5EF4-FFF2-40B4-BE49-F238E27FC236}">
+                <a16:creationId xmlns:a16="http://schemas.microsoft.com/office/drawing/2014/main" id="{45E1F8F3-CF39-4BAB-9A5F-27B99DEC4E1C}"/>
+              </a:ext>
+            </a:extLst>
+          </p:cNvPr>
+          <p:cNvSpPr>
+            <a:spLocks noGrp="1"/>
+          </p:cNvSpPr>
+          <p:nvPr>
+            <p:ph type="title"/>
+          </p:nvPr>
+        </p:nvSpPr>
+        <p:spPr/>
+        <p:txBody>
+          <a:bodyPr/>
+          <a:lstStyle/>
+          <a:p>
+            <a:pPr algn="ctr"/>
+            <a:r>
+              <a:rPr lang="cs-CZ" dirty="0"/>
+              <a:t>Co používáme pro</a:t>
+            </a:r>
+            <a:r>
+              <a:rPr lang="en-US" dirty="0"/>
+              <a:t> front</a:t>
+            </a:r>
+            <a:r>
+              <a:rPr lang="cs-CZ" dirty="0"/>
+              <a:t>end</a:t>
+            </a:r>
+            <a:r>
+              <a:rPr lang="ru-RU" dirty="0"/>
+              <a:t>?</a:t>
+            </a:r>
+            <a:endParaRPr lang="cs-CZ" dirty="0"/>
+          </a:p>
+        </p:txBody>
+      </p:sp>
+      <p:sp>
+        <p:nvSpPr>
+          <p:cNvPr id="3" name="Zástupný obsah 2">
+            <a:extLst>
+              <a:ext uri="{FF2B5EF4-FFF2-40B4-BE49-F238E27FC236}">
+                <a16:creationId xmlns:a16="http://schemas.microsoft.com/office/drawing/2014/main" id="{6F10F593-F537-4B8C-948D-2A3C5E9E378B}"/>
+              </a:ext>
+            </a:extLst>
+          </p:cNvPr>
+          <p:cNvSpPr>
+            <a:spLocks noGrp="1"/>
+          </p:cNvSpPr>
+          <p:nvPr>
+            <p:ph idx="1"/>
+          </p:nvPr>
+        </p:nvSpPr>
+        <p:spPr/>
+        <p:txBody>
+          <a:bodyPr/>
+          <a:lstStyle/>
+          <a:p>
+            <a:endParaRPr lang="cs-CZ" dirty="0"/>
+          </a:p>
+        </p:txBody>
+      </p:sp>
+      <p:pic>
+        <p:nvPicPr>
+          <p:cNvPr id="5" name="Obrázek 4">
+            <a:extLst>
+              <a:ext uri="{FF2B5EF4-FFF2-40B4-BE49-F238E27FC236}">
+                <a16:creationId xmlns:a16="http://schemas.microsoft.com/office/drawing/2014/main" id="{83F36B9F-F25D-423E-93D2-D4A171B68ADB}"/>
+              </a:ext>
+            </a:extLst>
+          </p:cNvPr>
+          <p:cNvPicPr>
+            <a:picLocks noChangeAspect="1"/>
+          </p:cNvPicPr>
+          <p:nvPr/>
+        </p:nvPicPr>
+        <p:blipFill>
+          <a:blip r:embed="rId2">
+            <a:extLst>
+              <a:ext uri="{28A0092B-C50C-407E-A947-70E740481C1C}">
+                <a14:useLocalDpi xmlns:a14="http://schemas.microsoft.com/office/drawing/2010/main" val="0"/>
+              </a:ext>
+            </a:extLst>
+          </a:blip>
+          <a:stretch>
+            <a:fillRect/>
+          </a:stretch>
+        </p:blipFill>
+        <p:spPr>
+          <a:xfrm>
+            <a:off x="6538678" y="3535672"/>
+            <a:ext cx="4762352" cy="2680524"/>
+          </a:xfrm>
+          <a:prstGeom prst="rect">
+            <a:avLst/>
+          </a:prstGeom>
+        </p:spPr>
+      </p:pic>
+      <p:pic>
+        <p:nvPicPr>
+          <p:cNvPr id="7" name="Obrázek 6">
+            <a:extLst>
+              <a:ext uri="{FF2B5EF4-FFF2-40B4-BE49-F238E27FC236}">
+                <a16:creationId xmlns:a16="http://schemas.microsoft.com/office/drawing/2014/main" id="{6D074E6D-202F-4EA4-B67D-6450E480CB04}"/>
+              </a:ext>
+            </a:extLst>
+          </p:cNvPr>
+          <p:cNvPicPr>
+            <a:picLocks noChangeAspect="1"/>
+          </p:cNvPicPr>
+          <p:nvPr/>
+        </p:nvPicPr>
+        <p:blipFill>
+          <a:blip r:embed="rId3">
+            <a:extLst>
+              <a:ext uri="{28A0092B-C50C-407E-A947-70E740481C1C}">
+                <a14:useLocalDpi xmlns:a14="http://schemas.microsoft.com/office/drawing/2010/main" val="0"/>
+              </a:ext>
+            </a:extLst>
+          </a:blip>
+          <a:stretch>
+            <a:fillRect/>
+          </a:stretch>
+        </p:blipFill>
+        <p:spPr>
+          <a:xfrm>
+            <a:off x="6538679" y="1418724"/>
+            <a:ext cx="4762351" cy="1903605"/>
+          </a:xfrm>
+          <a:prstGeom prst="rect">
+            <a:avLst/>
+          </a:prstGeom>
+        </p:spPr>
+      </p:pic>
+      <p:pic>
+        <p:nvPicPr>
+          <p:cNvPr id="9" name="Obrázek 8">
+            <a:extLst>
+              <a:ext uri="{FF2B5EF4-FFF2-40B4-BE49-F238E27FC236}">
+                <a16:creationId xmlns:a16="http://schemas.microsoft.com/office/drawing/2014/main" id="{FE9D3C67-E35F-4D6B-A946-8A7D0BC345DE}"/>
+              </a:ext>
+            </a:extLst>
+          </p:cNvPr>
+          <p:cNvPicPr>
+            <a:picLocks noChangeAspect="1"/>
+          </p:cNvPicPr>
+          <p:nvPr/>
+        </p:nvPicPr>
+        <p:blipFill>
+          <a:blip r:embed="rId4"/>
+          <a:stretch>
+            <a:fillRect/>
+          </a:stretch>
+        </p:blipFill>
+        <p:spPr>
+          <a:xfrm>
+            <a:off x="1333648" y="2444884"/>
+            <a:ext cx="4762352" cy="2821734"/>
+          </a:xfrm>
+          <a:prstGeom prst="rect">
+            <a:avLst/>
+          </a:prstGeom>
+        </p:spPr>
+      </p:pic>
+    </p:spTree>
+    <p:extLst>
+      <p:ext uri="{BB962C8B-B14F-4D97-AF65-F5344CB8AC3E}">
+        <p14:creationId xmlns:p14="http://schemas.microsoft.com/office/powerpoint/2010/main" val="1955701435"/>
+      </p:ext>
+    </p:extLst>
+  </p:cSld>
+  <p:clrMapOvr>
+    <a:masterClrMapping/>
+  </p:clrMapOvr>
+</p:sld>
+</file>
+
+<file path=ppt/slides/slide11.xml><?xml version="1.0" encoding="utf-8"?>
+<p:sld xmlns:a="http://schemas.openxmlformats.org/drawingml/2006/main" xmlns:r="http://schemas.openxmlformats.org/officeDocument/2006/relationships" xmlns:p="http://schemas.openxmlformats.org/presentationml/2006/main">
+  <p:cSld>
+    <p:spTree>
+      <p:nvGrpSpPr>
+        <p:cNvPr id="1" name=""/>
+        <p:cNvGrpSpPr/>
+        <p:nvPr/>
+      </p:nvGrpSpPr>
+      <p:grpSpPr>
+        <a:xfrm>
+          <a:off x="0" y="0"/>
+          <a:ext cx="0" cy="0"/>
+          <a:chOff x="0" y="0"/>
+          <a:chExt cx="0" cy="0"/>
+        </a:xfrm>
+      </p:grpSpPr>
+      <p:sp>
+        <p:nvSpPr>
+          <p:cNvPr id="2" name="Nadpis 1">
+            <a:extLst>
+              <a:ext uri="{FF2B5EF4-FFF2-40B4-BE49-F238E27FC236}">
+                <a16:creationId xmlns:a16="http://schemas.microsoft.com/office/drawing/2014/main" id="{8B2DBDCB-596C-41F9-AE41-2BF71A337DB4}"/>
+              </a:ext>
+            </a:extLst>
+          </p:cNvPr>
+          <p:cNvSpPr>
+            <a:spLocks noGrp="1"/>
+          </p:cNvSpPr>
+          <p:nvPr>
+            <p:ph type="title"/>
+          </p:nvPr>
+        </p:nvSpPr>
+        <p:spPr>
+          <a:xfrm>
+            <a:off x="1251678" y="382385"/>
+            <a:ext cx="10178322" cy="1091852"/>
+          </a:xfrm>
+        </p:spPr>
+        <p:txBody>
+          <a:bodyPr/>
+          <a:lstStyle/>
+          <a:p>
+            <a:pPr algn="ctr"/>
+            <a:r>
+              <a:rPr lang="cs-CZ" dirty="0"/>
+              <a:t>Login </a:t>
+            </a:r>
+            <a:r>
+              <a:rPr lang="cs-CZ" dirty="0" err="1"/>
+              <a:t>Component</a:t>
+            </a:r>
+            <a:endParaRPr lang="cs-CZ" dirty="0"/>
+          </a:p>
+        </p:txBody>
+      </p:sp>
+      <p:pic>
+        <p:nvPicPr>
+          <p:cNvPr id="5" name="Screenshot 2020-11-09 at 16.37.19.png" descr="Screenshot 2020-11-09 at 16.37.19.png">
+            <a:extLst>
+              <a:ext uri="{FF2B5EF4-FFF2-40B4-BE49-F238E27FC236}">
+                <a16:creationId xmlns:a16="http://schemas.microsoft.com/office/drawing/2014/main" id="{03A667DD-996E-4DF1-8342-F677809412A3}"/>
+              </a:ext>
+            </a:extLst>
+          </p:cNvPr>
+          <p:cNvPicPr>
+            <a:picLocks noGrp="1" noChangeAspect="1"/>
+          </p:cNvPicPr>
+          <p:nvPr>
+            <p:ph idx="1"/>
+          </p:nvPr>
+        </p:nvPicPr>
+        <p:blipFill>
+          <a:blip r:embed="rId2"/>
+          <a:srcRect t="7471" b="27"/>
+          <a:stretch>
+            <a:fillRect/>
+          </a:stretch>
+        </p:blipFill>
+        <p:spPr>
+          <a:xfrm>
+            <a:off x="2409402" y="1474237"/>
+            <a:ext cx="7862873" cy="4545822"/>
+          </a:xfrm>
+          <a:prstGeom prst="rect">
+            <a:avLst/>
+          </a:prstGeom>
+          <a:ln w="12700">
+            <a:miter lim="400000"/>
+          </a:ln>
+        </p:spPr>
+      </p:pic>
+    </p:spTree>
+    <p:extLst>
+      <p:ext uri="{BB962C8B-B14F-4D97-AF65-F5344CB8AC3E}">
+        <p14:creationId xmlns:p14="http://schemas.microsoft.com/office/powerpoint/2010/main" val="2045401688"/>
+      </p:ext>
+    </p:extLst>
+  </p:cSld>
+  <p:clrMapOvr>
+    <a:masterClrMapping/>
+  </p:clrMapOvr>
+</p:sld>
+</file>
+
+<file path=ppt/slides/slide12.xml><?xml version="1.0" encoding="utf-8"?>
+<p:sld xmlns:a="http://schemas.openxmlformats.org/drawingml/2006/main" xmlns:r="http://schemas.openxmlformats.org/officeDocument/2006/relationships" xmlns:p="http://schemas.openxmlformats.org/presentationml/2006/main">
+  <p:cSld>
+    <p:spTree>
+      <p:nvGrpSpPr>
+        <p:cNvPr id="1" name=""/>
+        <p:cNvGrpSpPr/>
+        <p:nvPr/>
+      </p:nvGrpSpPr>
+      <p:grpSpPr>
+        <a:xfrm>
+          <a:off x="0" y="0"/>
+          <a:ext cx="0" cy="0"/>
+          <a:chOff x="0" y="0"/>
+          <a:chExt cx="0" cy="0"/>
+        </a:xfrm>
+      </p:grpSpPr>
+      <p:sp>
+        <p:nvSpPr>
+          <p:cNvPr id="2" name="Nadpis 1">
+            <a:extLst>
+              <a:ext uri="{FF2B5EF4-FFF2-40B4-BE49-F238E27FC236}">
                 <a16:creationId xmlns:a16="http://schemas.microsoft.com/office/drawing/2014/main" id="{D9C78903-C439-4E83-98AF-885DD709DC7E}"/>
               </a:ext>
             </a:extLst>
@@ -7363,7 +7669,7 @@
 </p:sld>
 </file>
 
-<file path=ppt/slides/slide11.xml><?xml version="1.0" encoding="utf-8"?>
+<file path=ppt/slides/slide13.xml><?xml version="1.0" encoding="utf-8"?>
 <p:sld xmlns:a="http://schemas.openxmlformats.org/drawingml/2006/main" xmlns:r="http://schemas.openxmlformats.org/officeDocument/2006/relationships" xmlns:p="http://schemas.openxmlformats.org/presentationml/2006/main">
   <p:cSld>
     <p:spTree>
@@ -7501,7 +7807,7 @@
 </p:sld>
 </file>
 
-<file path=ppt/slides/slide12.xml><?xml version="1.0" encoding="utf-8"?>
+<file path=ppt/slides/slide14.xml><?xml version="1.0" encoding="utf-8"?>
 <p:sld xmlns:a="http://schemas.openxmlformats.org/drawingml/2006/main" xmlns:r="http://schemas.openxmlformats.org/officeDocument/2006/relationships" xmlns:p="http://schemas.openxmlformats.org/presentationml/2006/main">
   <p:cSld>
     <p:spTree>
@@ -7611,6 +7917,446 @@
 </file>
 
 <file path=ppt/slides/slide2.xml><?xml version="1.0" encoding="utf-8"?>
+<p:sld xmlns:a="http://schemas.openxmlformats.org/drawingml/2006/main" xmlns:r="http://schemas.openxmlformats.org/officeDocument/2006/relationships" xmlns:p="http://schemas.openxmlformats.org/presentationml/2006/main">
+  <p:cSld>
+    <p:spTree>
+      <p:nvGrpSpPr>
+        <p:cNvPr id="1" name=""/>
+        <p:cNvGrpSpPr/>
+        <p:nvPr/>
+      </p:nvGrpSpPr>
+      <p:grpSpPr>
+        <a:xfrm>
+          <a:off x="0" y="0"/>
+          <a:ext cx="0" cy="0"/>
+          <a:chOff x="0" y="0"/>
+          <a:chExt cx="0" cy="0"/>
+        </a:xfrm>
+      </p:grpSpPr>
+      <p:sp>
+        <p:nvSpPr>
+          <p:cNvPr id="2" name="Nadpis 1">
+            <a:extLst>
+              <a:ext uri="{FF2B5EF4-FFF2-40B4-BE49-F238E27FC236}">
+                <a16:creationId xmlns:a16="http://schemas.microsoft.com/office/drawing/2014/main" id="{8EB49BBD-16DE-4717-9426-6C43696B8C39}"/>
+              </a:ext>
+            </a:extLst>
+          </p:cNvPr>
+          <p:cNvSpPr>
+            <a:spLocks noGrp="1"/>
+          </p:cNvSpPr>
+          <p:nvPr>
+            <p:ph type="title"/>
+          </p:nvPr>
+        </p:nvSpPr>
+        <p:spPr/>
+        <p:txBody>
+          <a:bodyPr/>
+          <a:lstStyle/>
+          <a:p>
+            <a:pPr algn="ctr"/>
+            <a:r>
+              <a:rPr lang="en-US" dirty="0"/>
+              <a:t>N</a:t>
+            </a:r>
+            <a:r>
+              <a:rPr lang="cs-CZ" dirty="0" err="1"/>
+              <a:t>áš</a:t>
+            </a:r>
+            <a:r>
+              <a:rPr lang="cs-CZ" dirty="0"/>
+              <a:t> tým</a:t>
+            </a:r>
+          </a:p>
+        </p:txBody>
+      </p:sp>
+      <p:sp>
+        <p:nvSpPr>
+          <p:cNvPr id="3" name="Zástupný obsah 2">
+            <a:extLst>
+              <a:ext uri="{FF2B5EF4-FFF2-40B4-BE49-F238E27FC236}">
+                <a16:creationId xmlns:a16="http://schemas.microsoft.com/office/drawing/2014/main" id="{4BB2E4D6-0B77-43CD-8625-89483FDEBB66}"/>
+              </a:ext>
+            </a:extLst>
+          </p:cNvPr>
+          <p:cNvSpPr>
+            <a:spLocks noGrp="1"/>
+          </p:cNvSpPr>
+          <p:nvPr>
+            <p:ph idx="1"/>
+          </p:nvPr>
+        </p:nvSpPr>
+        <p:spPr>
+          <a:xfrm>
+            <a:off x="1251678" y="1874517"/>
+            <a:ext cx="10178322" cy="3593591"/>
+          </a:xfrm>
+        </p:spPr>
+        <p:txBody>
+          <a:bodyPr>
+            <a:normAutofit/>
+          </a:bodyPr>
+          <a:lstStyle/>
+          <a:p>
+            <a:pPr algn="just">
+              <a:lnSpc>
+                <a:spcPct val="150000"/>
+              </a:lnSpc>
+              <a:spcAft>
+                <a:spcPts val="800"/>
+              </a:spcAft>
+            </a:pPr>
+            <a:r>
+              <a:rPr lang="cs-CZ" sz="3200" dirty="0">
+                <a:solidFill>
+                  <a:srgbClr val="000000"/>
+                </a:solidFill>
+                <a:effectLst/>
+                <a:uFill>
+                  <a:solidFill>
+                    <a:srgbClr val="000000"/>
+                  </a:solidFill>
+                </a:uFill>
+                <a:ea typeface="Arial Unicode MS"/>
+                <a:cs typeface="Arial Unicode MS"/>
+              </a:rPr>
+              <a:t>Nikolay </a:t>
+            </a:r>
+            <a:r>
+              <a:rPr lang="cs-CZ" sz="3200" dirty="0" err="1">
+                <a:solidFill>
+                  <a:srgbClr val="000000"/>
+                </a:solidFill>
+                <a:effectLst/>
+                <a:uFill>
+                  <a:solidFill>
+                    <a:srgbClr val="000000"/>
+                  </a:solidFill>
+                </a:uFill>
+                <a:ea typeface="Arial Unicode MS"/>
+                <a:cs typeface="Arial Unicode MS"/>
+              </a:rPr>
+              <a:t>Bazankov</a:t>
+            </a:r>
+            <a:r>
+              <a:rPr lang="cs-CZ" sz="3200" dirty="0">
+                <a:solidFill>
+                  <a:srgbClr val="000000"/>
+                </a:solidFill>
+                <a:effectLst/>
+                <a:uFill>
+                  <a:solidFill>
+                    <a:srgbClr val="000000"/>
+                  </a:solidFill>
+                </a:uFill>
+                <a:ea typeface="Arial Unicode MS"/>
+                <a:cs typeface="Arial Unicode MS"/>
+              </a:rPr>
+              <a:t> – </a:t>
+            </a:r>
+            <a:r>
+              <a:rPr lang="cs-CZ" sz="3200" dirty="0" err="1">
+                <a:solidFill>
+                  <a:srgbClr val="000000"/>
+                </a:solidFill>
+                <a:effectLst/>
+                <a:uFill>
+                  <a:solidFill>
+                    <a:srgbClr val="000000"/>
+                  </a:solidFill>
+                </a:uFill>
+                <a:ea typeface="Arial Unicode MS"/>
+                <a:cs typeface="Arial Unicode MS"/>
+              </a:rPr>
+              <a:t>Scrum</a:t>
+            </a:r>
+            <a:r>
+              <a:rPr lang="cs-CZ" sz="3200" dirty="0">
+                <a:solidFill>
+                  <a:srgbClr val="000000"/>
+                </a:solidFill>
+                <a:effectLst/>
+                <a:uFill>
+                  <a:solidFill>
+                    <a:srgbClr val="000000"/>
+                  </a:solidFill>
+                </a:uFill>
+                <a:ea typeface="Arial Unicode MS"/>
+                <a:cs typeface="Arial Unicode MS"/>
+              </a:rPr>
+              <a:t> master</a:t>
+            </a:r>
+          </a:p>
+          <a:p>
+            <a:pPr algn="just">
+              <a:lnSpc>
+                <a:spcPct val="150000"/>
+              </a:lnSpc>
+              <a:spcAft>
+                <a:spcPts val="800"/>
+              </a:spcAft>
+            </a:pPr>
+            <a:r>
+              <a:rPr lang="cs-CZ" sz="3200" dirty="0" err="1">
+                <a:solidFill>
+                  <a:srgbClr val="000000"/>
+                </a:solidFill>
+                <a:effectLst/>
+                <a:uFill>
+                  <a:solidFill>
+                    <a:srgbClr val="000000"/>
+                  </a:solidFill>
+                </a:uFill>
+                <a:ea typeface="Arial Unicode MS"/>
+                <a:cs typeface="Arial Unicode MS"/>
+              </a:rPr>
+              <a:t>Nuray</a:t>
+            </a:r>
+            <a:r>
+              <a:rPr lang="cs-CZ" sz="3200" dirty="0">
+                <a:solidFill>
+                  <a:srgbClr val="000000"/>
+                </a:solidFill>
+                <a:effectLst/>
+                <a:uFill>
+                  <a:solidFill>
+                    <a:srgbClr val="000000"/>
+                  </a:solidFill>
+                </a:uFill>
+                <a:ea typeface="Arial Unicode MS"/>
+                <a:cs typeface="Arial Unicode MS"/>
+              </a:rPr>
+              <a:t> </a:t>
+            </a:r>
+            <a:r>
+              <a:rPr lang="cs-CZ" sz="3200" dirty="0" err="1">
+                <a:solidFill>
+                  <a:srgbClr val="000000"/>
+                </a:solidFill>
+                <a:effectLst/>
+                <a:uFill>
+                  <a:solidFill>
+                    <a:srgbClr val="000000"/>
+                  </a:solidFill>
+                </a:uFill>
+                <a:ea typeface="Arial Unicode MS"/>
+                <a:cs typeface="Arial Unicode MS"/>
+              </a:rPr>
+              <a:t>Mamakhova</a:t>
+            </a:r>
+            <a:r>
+              <a:rPr lang="cs-CZ" sz="3200" dirty="0">
+                <a:solidFill>
+                  <a:srgbClr val="000000"/>
+                </a:solidFill>
+                <a:effectLst/>
+                <a:uFill>
+                  <a:solidFill>
+                    <a:srgbClr val="000000"/>
+                  </a:solidFill>
+                </a:uFill>
+                <a:ea typeface="Arial Unicode MS"/>
+                <a:cs typeface="Arial Unicode MS"/>
+              </a:rPr>
+              <a:t> – Team developer </a:t>
+            </a:r>
+          </a:p>
+          <a:p>
+            <a:pPr algn="just">
+              <a:lnSpc>
+                <a:spcPct val="150000"/>
+              </a:lnSpc>
+              <a:spcAft>
+                <a:spcPts val="800"/>
+              </a:spcAft>
+            </a:pPr>
+            <a:r>
+              <a:rPr lang="cs-CZ" sz="3200" dirty="0">
+                <a:solidFill>
+                  <a:srgbClr val="000000"/>
+                </a:solidFill>
+                <a:effectLst/>
+                <a:uFill>
+                  <a:solidFill>
+                    <a:srgbClr val="000000"/>
+                  </a:solidFill>
+                </a:uFill>
+                <a:ea typeface="Arial Unicode MS"/>
+                <a:cs typeface="Arial Unicode MS"/>
+              </a:rPr>
+              <a:t>Aleksandr </a:t>
+            </a:r>
+            <a:r>
+              <a:rPr lang="cs-CZ" sz="3200" dirty="0" err="1">
+                <a:solidFill>
+                  <a:srgbClr val="000000"/>
+                </a:solidFill>
+                <a:effectLst/>
+                <a:uFill>
+                  <a:solidFill>
+                    <a:srgbClr val="000000"/>
+                  </a:solidFill>
+                </a:uFill>
+                <a:ea typeface="Arial Unicode MS"/>
+                <a:cs typeface="Arial Unicode MS"/>
+              </a:rPr>
+              <a:t>Nesterov</a:t>
+            </a:r>
+            <a:r>
+              <a:rPr lang="cs-CZ" sz="3200" dirty="0">
+                <a:solidFill>
+                  <a:srgbClr val="000000"/>
+                </a:solidFill>
+                <a:effectLst/>
+                <a:uFill>
+                  <a:solidFill>
+                    <a:srgbClr val="000000"/>
+                  </a:solidFill>
+                </a:uFill>
+                <a:ea typeface="Arial Unicode MS"/>
+                <a:cs typeface="Arial Unicode MS"/>
+              </a:rPr>
+              <a:t> – Team developer</a:t>
+            </a:r>
+          </a:p>
+          <a:p>
+            <a:pPr algn="just">
+              <a:lnSpc>
+                <a:spcPct val="150000"/>
+              </a:lnSpc>
+              <a:spcAft>
+                <a:spcPts val="800"/>
+              </a:spcAft>
+            </a:pPr>
+            <a:r>
+              <a:rPr lang="cs-CZ" sz="3200" dirty="0">
+                <a:solidFill>
+                  <a:srgbClr val="000000"/>
+                </a:solidFill>
+                <a:effectLst/>
+                <a:uFill>
+                  <a:solidFill>
+                    <a:srgbClr val="000000"/>
+                  </a:solidFill>
+                </a:uFill>
+                <a:ea typeface="Arial Unicode MS"/>
+                <a:cs typeface="Arial Unicode MS"/>
+              </a:rPr>
+              <a:t>Anna </a:t>
+            </a:r>
+            <a:r>
+              <a:rPr lang="cs-CZ" sz="3200" dirty="0" err="1">
+                <a:solidFill>
+                  <a:srgbClr val="000000"/>
+                </a:solidFill>
+                <a:effectLst/>
+                <a:uFill>
+                  <a:solidFill>
+                    <a:srgbClr val="000000"/>
+                  </a:solidFill>
+                </a:uFill>
+                <a:ea typeface="Arial Unicode MS"/>
+                <a:cs typeface="Arial Unicode MS"/>
+              </a:rPr>
+              <a:t>Reshetova</a:t>
+            </a:r>
+            <a:r>
+              <a:rPr lang="cs-CZ" sz="3200" dirty="0">
+                <a:solidFill>
+                  <a:srgbClr val="000000"/>
+                </a:solidFill>
+                <a:effectLst/>
+                <a:uFill>
+                  <a:solidFill>
+                    <a:srgbClr val="000000"/>
+                  </a:solidFill>
+                </a:uFill>
+                <a:ea typeface="Arial Unicode MS"/>
+                <a:cs typeface="Arial Unicode MS"/>
+              </a:rPr>
+              <a:t> – </a:t>
+            </a:r>
+            <a:r>
+              <a:rPr lang="cs-CZ" sz="3200" dirty="0" err="1">
+                <a:solidFill>
+                  <a:srgbClr val="000000"/>
+                </a:solidFill>
+                <a:effectLst/>
+                <a:uFill>
+                  <a:solidFill>
+                    <a:srgbClr val="000000"/>
+                  </a:solidFill>
+                </a:uFill>
+                <a:ea typeface="Arial Unicode MS"/>
+                <a:cs typeface="Arial Unicode MS"/>
+              </a:rPr>
+              <a:t>Product</a:t>
+            </a:r>
+            <a:r>
+              <a:rPr lang="cs-CZ" sz="3200" dirty="0">
+                <a:solidFill>
+                  <a:srgbClr val="000000"/>
+                </a:solidFill>
+                <a:effectLst/>
+                <a:uFill>
+                  <a:solidFill>
+                    <a:srgbClr val="000000"/>
+                  </a:solidFill>
+                </a:uFill>
+                <a:ea typeface="Arial Unicode MS"/>
+                <a:cs typeface="Arial Unicode MS"/>
+              </a:rPr>
+              <a:t> </a:t>
+            </a:r>
+            <a:r>
+              <a:rPr lang="cs-CZ" sz="3200" dirty="0" err="1">
+                <a:solidFill>
+                  <a:srgbClr val="000000"/>
+                </a:solidFill>
+                <a:effectLst/>
+                <a:uFill>
+                  <a:solidFill>
+                    <a:srgbClr val="000000"/>
+                  </a:solidFill>
+                </a:uFill>
+                <a:ea typeface="Arial Unicode MS"/>
+                <a:cs typeface="Arial Unicode MS"/>
+              </a:rPr>
+              <a:t>owner</a:t>
+            </a:r>
+            <a:r>
+              <a:rPr lang="cs-CZ" sz="3200" dirty="0">
+                <a:solidFill>
+                  <a:srgbClr val="000000"/>
+                </a:solidFill>
+                <a:effectLst/>
+                <a:uFill>
+                  <a:solidFill>
+                    <a:srgbClr val="000000"/>
+                  </a:solidFill>
+                </a:uFill>
+                <a:ea typeface="Arial Unicode MS"/>
+                <a:cs typeface="Arial Unicode MS"/>
+              </a:rPr>
+              <a:t> </a:t>
+            </a:r>
+          </a:p>
+        </p:txBody>
+      </p:sp>
+    </p:spTree>
+    <p:extLst>
+      <p:ext uri="{BB962C8B-B14F-4D97-AF65-F5344CB8AC3E}">
+        <p14:creationId xmlns:p14="http://schemas.microsoft.com/office/powerpoint/2010/main" val="4078483535"/>
+      </p:ext>
+    </p:extLst>
+  </p:cSld>
+  <p:clrMapOvr>
+    <a:masterClrMapping/>
+  </p:clrMapOvr>
+</p:sld>
+</file>
+
+<file path=ppt/slides/slide3.xml><?xml version="1.0" encoding="utf-8"?>
 <p:sld xmlns:a="http://schemas.openxmlformats.org/drawingml/2006/main" xmlns:r="http://schemas.openxmlformats.org/officeDocument/2006/relationships" xmlns:p="http://schemas.openxmlformats.org/presentationml/2006/main">
   <p:cSld>
     <p:spTree>
@@ -7709,7 +8455,7 @@
 </p:sld>
 </file>
 
-<file path=ppt/slides/slide3.xml><?xml version="1.0" encoding="utf-8"?>
+<file path=ppt/slides/slide4.xml><?xml version="1.0" encoding="utf-8"?>
 <p:sld xmlns:a="http://schemas.openxmlformats.org/drawingml/2006/main" xmlns:r="http://schemas.openxmlformats.org/officeDocument/2006/relationships" xmlns:p="http://schemas.openxmlformats.org/presentationml/2006/main">
   <p:cSld>
     <p:spTree>
@@ -7832,142 +8578,6 @@
     <p:extLst>
       <p:ext uri="{BB962C8B-B14F-4D97-AF65-F5344CB8AC3E}">
         <p14:creationId xmlns:p14="http://schemas.microsoft.com/office/powerpoint/2010/main" val="367578316"/>
-      </p:ext>
-    </p:extLst>
-  </p:cSld>
-  <p:clrMapOvr>
-    <a:masterClrMapping/>
-  </p:clrMapOvr>
-</p:sld>
-</file>
-
-<file path=ppt/slides/slide4.xml><?xml version="1.0" encoding="utf-8"?>
-<p:sld xmlns:a="http://schemas.openxmlformats.org/drawingml/2006/main" xmlns:r="http://schemas.openxmlformats.org/officeDocument/2006/relationships" xmlns:p="http://schemas.openxmlformats.org/presentationml/2006/main">
-  <p:cSld>
-    <p:spTree>
-      <p:nvGrpSpPr>
-        <p:cNvPr id="1" name=""/>
-        <p:cNvGrpSpPr/>
-        <p:nvPr/>
-      </p:nvGrpSpPr>
-      <p:grpSpPr>
-        <a:xfrm>
-          <a:off x="0" y="0"/>
-          <a:ext cx="0" cy="0"/>
-          <a:chOff x="0" y="0"/>
-          <a:chExt cx="0" cy="0"/>
-        </a:xfrm>
-      </p:grpSpPr>
-      <p:sp>
-        <p:nvSpPr>
-          <p:cNvPr id="2" name="Nadpis 1">
-            <a:extLst>
-              <a:ext uri="{FF2B5EF4-FFF2-40B4-BE49-F238E27FC236}">
-                <a16:creationId xmlns:a16="http://schemas.microsoft.com/office/drawing/2014/main" id="{D5CDD591-16B8-425A-9768-EE42911F4EE1}"/>
-              </a:ext>
-            </a:extLst>
-          </p:cNvPr>
-          <p:cNvSpPr>
-            <a:spLocks noGrp="1"/>
-          </p:cNvSpPr>
-          <p:nvPr>
-            <p:ph type="title"/>
-          </p:nvPr>
-        </p:nvSpPr>
-        <p:spPr>
-          <a:xfrm>
-            <a:off x="1251678" y="382385"/>
-            <a:ext cx="10178322" cy="867917"/>
-          </a:xfrm>
-        </p:spPr>
-        <p:txBody>
-          <a:bodyPr/>
-          <a:lstStyle/>
-          <a:p>
-            <a:pPr algn="ctr"/>
-            <a:r>
-              <a:rPr lang="cs-CZ" dirty="0" err="1"/>
-              <a:t>Release</a:t>
-            </a:r>
-            <a:r>
-              <a:rPr lang="cs-CZ" dirty="0"/>
-              <a:t> 1/</a:t>
-            </a:r>
-            <a:r>
-              <a:rPr lang="en-US" dirty="0"/>
-              <a:t>Sprint 1</a:t>
-            </a:r>
-            <a:r>
-              <a:rPr lang="cs-CZ" dirty="0"/>
-              <a:t> </a:t>
-            </a:r>
-            <a:r>
-              <a:rPr lang="en-US" b="1" dirty="0"/>
-              <a:t>Report</a:t>
-            </a:r>
-            <a:endParaRPr lang="cs-CZ" dirty="0"/>
-          </a:p>
-        </p:txBody>
-      </p:sp>
-      <p:sp>
-        <p:nvSpPr>
-          <p:cNvPr id="3" name="Zástupný obsah 2">
-            <a:extLst>
-              <a:ext uri="{FF2B5EF4-FFF2-40B4-BE49-F238E27FC236}">
-                <a16:creationId xmlns:a16="http://schemas.microsoft.com/office/drawing/2014/main" id="{B69AAD63-27BF-4F64-A3FD-66993F380B48}"/>
-              </a:ext>
-            </a:extLst>
-          </p:cNvPr>
-          <p:cNvSpPr>
-            <a:spLocks noGrp="1"/>
-          </p:cNvSpPr>
-          <p:nvPr>
-            <p:ph idx="1"/>
-          </p:nvPr>
-        </p:nvSpPr>
-        <p:spPr/>
-        <p:txBody>
-          <a:bodyPr/>
-          <a:lstStyle/>
-          <a:p>
-            <a:endParaRPr lang="cs-CZ"/>
-          </a:p>
-        </p:txBody>
-      </p:sp>
-      <p:pic>
-        <p:nvPicPr>
-          <p:cNvPr id="7" name="Obrázek 6">
-            <a:extLst>
-              <a:ext uri="{FF2B5EF4-FFF2-40B4-BE49-F238E27FC236}">
-                <a16:creationId xmlns:a16="http://schemas.microsoft.com/office/drawing/2014/main" id="{F62C06C7-2C14-4DA2-86AB-EEC8F0E3D036}"/>
-              </a:ext>
-            </a:extLst>
-          </p:cNvPr>
-          <p:cNvPicPr>
-            <a:picLocks noChangeAspect="1"/>
-          </p:cNvPicPr>
-          <p:nvPr/>
-        </p:nvPicPr>
-        <p:blipFill>
-          <a:blip r:embed="rId2"/>
-          <a:stretch>
-            <a:fillRect/>
-          </a:stretch>
-        </p:blipFill>
-        <p:spPr>
-          <a:xfrm>
-            <a:off x="939283" y="1330267"/>
-            <a:ext cx="10951042" cy="4865260"/>
-          </a:xfrm>
-          <a:prstGeom prst="rect">
-            <a:avLst/>
-          </a:prstGeom>
-        </p:spPr>
-      </p:pic>
-    </p:spTree>
-    <p:extLst>
-      <p:ext uri="{BB962C8B-B14F-4D97-AF65-F5344CB8AC3E}">
-        <p14:creationId xmlns:p14="http://schemas.microsoft.com/office/powerpoint/2010/main" val="3165359753"/>
       </p:ext>
     </p:extLst>
   </p:cSld>
@@ -8313,6 +8923,142 @@
           <p:cNvPr id="2" name="Nadpis 1">
             <a:extLst>
               <a:ext uri="{FF2B5EF4-FFF2-40B4-BE49-F238E27FC236}">
+                <a16:creationId xmlns:a16="http://schemas.microsoft.com/office/drawing/2014/main" id="{D5CDD591-16B8-425A-9768-EE42911F4EE1}"/>
+              </a:ext>
+            </a:extLst>
+          </p:cNvPr>
+          <p:cNvSpPr>
+            <a:spLocks noGrp="1"/>
+          </p:cNvSpPr>
+          <p:nvPr>
+            <p:ph type="title"/>
+          </p:nvPr>
+        </p:nvSpPr>
+        <p:spPr>
+          <a:xfrm>
+            <a:off x="1251678" y="382385"/>
+            <a:ext cx="10178322" cy="867917"/>
+          </a:xfrm>
+        </p:spPr>
+        <p:txBody>
+          <a:bodyPr/>
+          <a:lstStyle/>
+          <a:p>
+            <a:pPr algn="ctr"/>
+            <a:r>
+              <a:rPr lang="cs-CZ" dirty="0" err="1"/>
+              <a:t>Release</a:t>
+            </a:r>
+            <a:r>
+              <a:rPr lang="cs-CZ" dirty="0"/>
+              <a:t> 1/</a:t>
+            </a:r>
+            <a:r>
+              <a:rPr lang="en-US" dirty="0"/>
+              <a:t>Sprint 1</a:t>
+            </a:r>
+            <a:r>
+              <a:rPr lang="cs-CZ" dirty="0"/>
+              <a:t> </a:t>
+            </a:r>
+            <a:r>
+              <a:rPr lang="en-US" b="1" dirty="0"/>
+              <a:t>Report</a:t>
+            </a:r>
+            <a:endParaRPr lang="cs-CZ" dirty="0"/>
+          </a:p>
+        </p:txBody>
+      </p:sp>
+      <p:sp>
+        <p:nvSpPr>
+          <p:cNvPr id="3" name="Zástupný obsah 2">
+            <a:extLst>
+              <a:ext uri="{FF2B5EF4-FFF2-40B4-BE49-F238E27FC236}">
+                <a16:creationId xmlns:a16="http://schemas.microsoft.com/office/drawing/2014/main" id="{B69AAD63-27BF-4F64-A3FD-66993F380B48}"/>
+              </a:ext>
+            </a:extLst>
+          </p:cNvPr>
+          <p:cNvSpPr>
+            <a:spLocks noGrp="1"/>
+          </p:cNvSpPr>
+          <p:nvPr>
+            <p:ph idx="1"/>
+          </p:nvPr>
+        </p:nvSpPr>
+        <p:spPr/>
+        <p:txBody>
+          <a:bodyPr/>
+          <a:lstStyle/>
+          <a:p>
+            <a:endParaRPr lang="cs-CZ"/>
+          </a:p>
+        </p:txBody>
+      </p:sp>
+      <p:pic>
+        <p:nvPicPr>
+          <p:cNvPr id="7" name="Obrázek 6">
+            <a:extLst>
+              <a:ext uri="{FF2B5EF4-FFF2-40B4-BE49-F238E27FC236}">
+                <a16:creationId xmlns:a16="http://schemas.microsoft.com/office/drawing/2014/main" id="{F62C06C7-2C14-4DA2-86AB-EEC8F0E3D036}"/>
+              </a:ext>
+            </a:extLst>
+          </p:cNvPr>
+          <p:cNvPicPr>
+            <a:picLocks noChangeAspect="1"/>
+          </p:cNvPicPr>
+          <p:nvPr/>
+        </p:nvPicPr>
+        <p:blipFill>
+          <a:blip r:embed="rId2"/>
+          <a:stretch>
+            <a:fillRect/>
+          </a:stretch>
+        </p:blipFill>
+        <p:spPr>
+          <a:xfrm>
+            <a:off x="939283" y="1330267"/>
+            <a:ext cx="10951042" cy="4865260"/>
+          </a:xfrm>
+          <a:prstGeom prst="rect">
+            <a:avLst/>
+          </a:prstGeom>
+        </p:spPr>
+      </p:pic>
+    </p:spTree>
+    <p:extLst>
+      <p:ext uri="{BB962C8B-B14F-4D97-AF65-F5344CB8AC3E}">
+        <p14:creationId xmlns:p14="http://schemas.microsoft.com/office/powerpoint/2010/main" val="3165359753"/>
+      </p:ext>
+    </p:extLst>
+  </p:cSld>
+  <p:clrMapOvr>
+    <a:masterClrMapping/>
+  </p:clrMapOvr>
+</p:sld>
+</file>
+
+<file path=ppt/slides/slide8.xml><?xml version="1.0" encoding="utf-8"?>
+<p:sld xmlns:a="http://schemas.openxmlformats.org/drawingml/2006/main" xmlns:r="http://schemas.openxmlformats.org/officeDocument/2006/relationships" xmlns:p="http://schemas.openxmlformats.org/presentationml/2006/main">
+  <p:cSld>
+    <p:spTree>
+      <p:nvGrpSpPr>
+        <p:cNvPr id="1" name=""/>
+        <p:cNvGrpSpPr/>
+        <p:nvPr/>
+      </p:nvGrpSpPr>
+      <p:grpSpPr>
+        <a:xfrm>
+          <a:off x="0" y="0"/>
+          <a:ext cx="0" cy="0"/>
+          <a:chOff x="0" y="0"/>
+          <a:chExt cx="0" cy="0"/>
+        </a:xfrm>
+      </p:grpSpPr>
+      <p:sp>
+        <p:nvSpPr>
+          <p:cNvPr id="2" name="Nadpis 1">
+            <a:extLst>
+              <a:ext uri="{FF2B5EF4-FFF2-40B4-BE49-F238E27FC236}">
                 <a16:creationId xmlns:a16="http://schemas.microsoft.com/office/drawing/2014/main" id="{96B24301-8146-4C26-A4C4-357607A1B8C0}"/>
               </a:ext>
             </a:extLst>
@@ -8410,8 +9156,8 @@
         </p:blipFill>
         <p:spPr>
           <a:xfrm>
-            <a:off x="1611016" y="1771158"/>
-            <a:ext cx="9459645" cy="4248743"/>
+            <a:off x="1251678" y="1598646"/>
+            <a:ext cx="10183050" cy="4573656"/>
           </a:xfrm>
           <a:prstGeom prst="rect">
             <a:avLst/>
@@ -8431,7 +9177,7 @@
 </p:sld>
 </file>
 
-<file path=ppt/slides/slide8.xml><?xml version="1.0" encoding="utf-8"?>
+<file path=ppt/slides/slide9.xml><?xml version="1.0" encoding="utf-8"?>
 <p:sld xmlns:a="http://schemas.openxmlformats.org/drawingml/2006/main" xmlns:r="http://schemas.openxmlformats.org/officeDocument/2006/relationships" xmlns:p="http://schemas.openxmlformats.org/presentationml/2006/main">
   <p:cSld>
     <p:spTree>
@@ -8471,28 +9217,16 @@
           <a:p>
             <a:pPr algn="ctr"/>
             <a:r>
+              <a:rPr lang="cs-CZ" dirty="0"/>
+              <a:t>Co používáme pro </a:t>
+            </a:r>
+            <a:r>
               <a:rPr lang="cs-CZ" dirty="0" err="1"/>
-              <a:t>Release</a:t>
-            </a:r>
-            <a:r>
-              <a:rPr lang="cs-CZ" dirty="0"/>
-              <a:t> 1/</a:t>
-            </a:r>
-            <a:r>
-              <a:rPr lang="en-US" dirty="0"/>
-              <a:t>Sprint </a:t>
+              <a:t>backend</a:t>
             </a:r>
             <a:r>
               <a:rPr lang="ru-RU" dirty="0"/>
-              <a:t>2</a:t>
-            </a:r>
-            <a:r>
-              <a:rPr lang="cs-CZ" dirty="0"/>
-              <a:t> </a:t>
-            </a:r>
-            <a:r>
-              <a:rPr lang="cs-CZ" dirty="0" err="1"/>
-              <a:t>Backlog</a:t>
+              <a:t>?</a:t>
             </a:r>
             <a:endParaRPr lang="cs-CZ" dirty="0"/>
           </a:p>
@@ -8500,10 +9234,10 @@
       </p:sp>
       <p:pic>
         <p:nvPicPr>
-          <p:cNvPr id="6" name="Zástupný obsah 5">
+          <p:cNvPr id="7" name="Zástupný obsah 6">
             <a:extLst>
               <a:ext uri="{FF2B5EF4-FFF2-40B4-BE49-F238E27FC236}">
-                <a16:creationId xmlns:a16="http://schemas.microsoft.com/office/drawing/2014/main" id="{35706E77-8DDE-4A7A-9F64-FB1F5958E644}"/>
+                <a16:creationId xmlns:a16="http://schemas.microsoft.com/office/drawing/2014/main" id="{9804D97C-044D-42C1-8A0E-F117AB9F43BF}"/>
               </a:ext>
             </a:extLst>
           </p:cNvPr>
@@ -8528,120 +9262,87 @@
         </p:blipFill>
         <p:spPr>
           <a:xfrm>
-            <a:off x="3626813" y="1119673"/>
-            <a:ext cx="5584374" cy="5651454"/>
+            <a:off x="1226602" y="1366117"/>
+            <a:ext cx="5114237" cy="2686973"/>
           </a:xfrm>
+        </p:spPr>
+      </p:pic>
+      <p:pic>
+        <p:nvPicPr>
+          <p:cNvPr id="11" name="Obrázek 10">
+            <a:extLst>
+              <a:ext uri="{FF2B5EF4-FFF2-40B4-BE49-F238E27FC236}">
+                <a16:creationId xmlns:a16="http://schemas.microsoft.com/office/drawing/2014/main" id="{6C72B7AB-7B3E-4035-87FB-83BBA5C0289C}"/>
+              </a:ext>
+            </a:extLst>
+          </p:cNvPr>
+          <p:cNvPicPr>
+            <a:picLocks noChangeAspect="1"/>
+          </p:cNvPicPr>
+          <p:nvPr/>
+        </p:nvPicPr>
+        <p:blipFill>
+          <a:blip r:embed="rId3">
+            <a:extLst>
+              <a:ext uri="{28A0092B-C50C-407E-A947-70E740481C1C}">
+                <a14:useLocalDpi xmlns:a14="http://schemas.microsoft.com/office/drawing/2010/main" val="0"/>
+              </a:ext>
+            </a:extLst>
+          </a:blip>
+          <a:stretch>
+            <a:fillRect/>
+          </a:stretch>
+        </p:blipFill>
+        <p:spPr>
+          <a:xfrm>
+            <a:off x="7209415" y="1667620"/>
+            <a:ext cx="3353810" cy="1887229"/>
+          </a:xfrm>
+          <a:prstGeom prst="rect">
+            <a:avLst/>
+          </a:prstGeom>
+        </p:spPr>
+      </p:pic>
+      <p:pic>
+        <p:nvPicPr>
+          <p:cNvPr id="15" name="Obrázek 14">
+            <a:extLst>
+              <a:ext uri="{FF2B5EF4-FFF2-40B4-BE49-F238E27FC236}">
+                <a16:creationId xmlns:a16="http://schemas.microsoft.com/office/drawing/2014/main" id="{8DE9B845-94DC-41E0-B28D-338F6550AE91}"/>
+              </a:ext>
+            </a:extLst>
+          </p:cNvPr>
+          <p:cNvPicPr>
+            <a:picLocks noChangeAspect="1"/>
+          </p:cNvPicPr>
+          <p:nvPr/>
+        </p:nvPicPr>
+        <p:blipFill>
+          <a:blip r:embed="rId4">
+            <a:extLst>
+              <a:ext uri="{28A0092B-C50C-407E-A947-70E740481C1C}">
+                <a14:useLocalDpi xmlns:a14="http://schemas.microsoft.com/office/drawing/2010/main" val="0"/>
+              </a:ext>
+            </a:extLst>
+          </a:blip>
+          <a:stretch>
+            <a:fillRect/>
+          </a:stretch>
+        </p:blipFill>
+        <p:spPr>
+          <a:xfrm>
+            <a:off x="1628775" y="4246765"/>
+            <a:ext cx="8934450" cy="2228850"/>
+          </a:xfrm>
+          <a:prstGeom prst="rect">
+            <a:avLst/>
+          </a:prstGeom>
         </p:spPr>
       </p:pic>
     </p:spTree>
     <p:extLst>
       <p:ext uri="{BB962C8B-B14F-4D97-AF65-F5344CB8AC3E}">
         <p14:creationId xmlns:p14="http://schemas.microsoft.com/office/powerpoint/2010/main" val="3770994673"/>
-      </p:ext>
-    </p:extLst>
-  </p:cSld>
-  <p:clrMapOvr>
-    <a:masterClrMapping/>
-  </p:clrMapOvr>
-</p:sld>
-</file>
-
-<file path=ppt/slides/slide9.xml><?xml version="1.0" encoding="utf-8"?>
-<p:sld xmlns:a="http://schemas.openxmlformats.org/drawingml/2006/main" xmlns:r="http://schemas.openxmlformats.org/officeDocument/2006/relationships" xmlns:p="http://schemas.openxmlformats.org/presentationml/2006/main">
-  <p:cSld>
-    <p:spTree>
-      <p:nvGrpSpPr>
-        <p:cNvPr id="1" name=""/>
-        <p:cNvGrpSpPr/>
-        <p:nvPr/>
-      </p:nvGrpSpPr>
-      <p:grpSpPr>
-        <a:xfrm>
-          <a:off x="0" y="0"/>
-          <a:ext cx="0" cy="0"/>
-          <a:chOff x="0" y="0"/>
-          <a:chExt cx="0" cy="0"/>
-        </a:xfrm>
-      </p:grpSpPr>
-      <p:sp>
-        <p:nvSpPr>
-          <p:cNvPr id="2" name="Nadpis 1">
-            <a:extLst>
-              <a:ext uri="{FF2B5EF4-FFF2-40B4-BE49-F238E27FC236}">
-                <a16:creationId xmlns:a16="http://schemas.microsoft.com/office/drawing/2014/main" id="{8B2DBDCB-596C-41F9-AE41-2BF71A337DB4}"/>
-              </a:ext>
-            </a:extLst>
-          </p:cNvPr>
-          <p:cNvSpPr>
-            <a:spLocks noGrp="1"/>
-          </p:cNvSpPr>
-          <p:nvPr>
-            <p:ph type="title"/>
-          </p:nvPr>
-        </p:nvSpPr>
-        <p:spPr>
-          <a:xfrm>
-            <a:off x="1251678" y="382385"/>
-            <a:ext cx="10178322" cy="1091852"/>
-          </a:xfrm>
-        </p:spPr>
-        <p:txBody>
-          <a:bodyPr/>
-          <a:lstStyle/>
-          <a:p>
-            <a:pPr algn="ctr"/>
-            <a:r>
-              <a:rPr lang="cs-CZ" dirty="0"/>
-              <a:t>Login </a:t>
-            </a:r>
-            <a:r>
-              <a:rPr lang="cs-CZ" dirty="0" err="1"/>
-              <a:t>Component</a:t>
-            </a:r>
-            <a:endParaRPr lang="cs-CZ" dirty="0"/>
-          </a:p>
-        </p:txBody>
-      </p:sp>
-      <p:pic>
-        <p:nvPicPr>
-          <p:cNvPr id="5" name="Screenshot 2020-11-09 at 16.37.19.png" descr="Screenshot 2020-11-09 at 16.37.19.png">
-            <a:extLst>
-              <a:ext uri="{FF2B5EF4-FFF2-40B4-BE49-F238E27FC236}">
-                <a16:creationId xmlns:a16="http://schemas.microsoft.com/office/drawing/2014/main" id="{03A667DD-996E-4DF1-8342-F677809412A3}"/>
-              </a:ext>
-            </a:extLst>
-          </p:cNvPr>
-          <p:cNvPicPr>
-            <a:picLocks noGrp="1" noChangeAspect="1"/>
-          </p:cNvPicPr>
-          <p:nvPr>
-            <p:ph idx="1"/>
-          </p:nvPr>
-        </p:nvPicPr>
-        <p:blipFill>
-          <a:blip r:embed="rId2"/>
-          <a:srcRect t="7471" b="27"/>
-          <a:stretch>
-            <a:fillRect/>
-          </a:stretch>
-        </p:blipFill>
-        <p:spPr>
-          <a:xfrm>
-            <a:off x="2409402" y="1474237"/>
-            <a:ext cx="7862873" cy="4545822"/>
-          </a:xfrm>
-          <a:prstGeom prst="rect">
-            <a:avLst/>
-          </a:prstGeom>
-          <a:ln w="12700">
-            <a:miter lim="400000"/>
-          </a:ln>
-        </p:spPr>
-      </p:pic>
-    </p:spTree>
-    <p:extLst>
-      <p:ext uri="{BB962C8B-B14F-4D97-AF65-F5344CB8AC3E}">
-        <p14:creationId xmlns:p14="http://schemas.microsoft.com/office/powerpoint/2010/main" val="2045401688"/>
       </p:ext>
     </p:extLst>
   </p:cSld>
